--- a/Slides/Day0_Cover.pptx
+++ b/Slides/Day0_Cover.pptx
@@ -118,7 +118,7 @@
 <file path=ppt/revisionInfo.xml><?xml version="1.0" encoding="utf-8"?>
 <p1510:revInfo xmlns:a="http://schemas.openxmlformats.org/drawingml/2006/main" xmlns:r="http://schemas.openxmlformats.org/officeDocument/2006/relationships" xmlns:p1510="http://schemas.microsoft.com/office/powerpoint/2015/10/main">
   <p1510:revLst>
-    <p1510:client id="{C84CBA8D-C0D2-43AD-940A-418D0673F63C}" v="174" dt="2025-08-29T08:00:19.424"/>
+    <p1510:client id="{C84CBA8D-C0D2-43AD-940A-418D0673F63C}" v="184" dt="2025-08-29T13:55:00.310"/>
   </p1510:revLst>
 </p1510:revInfo>
 </file>
@@ -205,7 +205,7 @@
           <a:p>
             <a:fld id="{1C1EFD09-4F27-4569-9871-A4A5654C0062}" type="datetimeFigureOut">
               <a:rPr lang="en-US" smtClean="0"/>
-              <a:t>8/29/2025</a:t>
+              <a:t>9/1/2025</a:t>
             </a:fld>
             <a:endParaRPr lang="en-US"/>
           </a:p>
@@ -703,7 +703,7 @@
           <a:p>
             <a:fld id="{D71ECB0C-865D-48AA-96AE-52EA45E4045B}" type="datetimeFigureOut">
               <a:rPr lang="en-US" smtClean="0"/>
-              <a:t>8/29/2025</a:t>
+              <a:t>9/1/2025</a:t>
             </a:fld>
             <a:endParaRPr lang="en-US"/>
           </a:p>
@@ -901,7 +901,7 @@
           <a:p>
             <a:fld id="{D71ECB0C-865D-48AA-96AE-52EA45E4045B}" type="datetimeFigureOut">
               <a:rPr lang="en-US" smtClean="0"/>
-              <a:t>8/29/2025</a:t>
+              <a:t>9/1/2025</a:t>
             </a:fld>
             <a:endParaRPr lang="en-US"/>
           </a:p>
@@ -1109,7 +1109,7 @@
           <a:p>
             <a:fld id="{D71ECB0C-865D-48AA-96AE-52EA45E4045B}" type="datetimeFigureOut">
               <a:rPr lang="en-US" smtClean="0"/>
-              <a:t>8/29/2025</a:t>
+              <a:t>9/1/2025</a:t>
             </a:fld>
             <a:endParaRPr lang="en-US"/>
           </a:p>
@@ -1307,7 +1307,7 @@
           <a:p>
             <a:fld id="{D71ECB0C-865D-48AA-96AE-52EA45E4045B}" type="datetimeFigureOut">
               <a:rPr lang="en-US" smtClean="0"/>
-              <a:t>8/29/2025</a:t>
+              <a:t>9/1/2025</a:t>
             </a:fld>
             <a:endParaRPr lang="en-US"/>
           </a:p>
@@ -1582,7 +1582,7 @@
           <a:p>
             <a:fld id="{D71ECB0C-865D-48AA-96AE-52EA45E4045B}" type="datetimeFigureOut">
               <a:rPr lang="en-US" smtClean="0"/>
-              <a:t>8/29/2025</a:t>
+              <a:t>9/1/2025</a:t>
             </a:fld>
             <a:endParaRPr lang="en-US"/>
           </a:p>
@@ -1847,7 +1847,7 @@
           <a:p>
             <a:fld id="{D71ECB0C-865D-48AA-96AE-52EA45E4045B}" type="datetimeFigureOut">
               <a:rPr lang="en-US" smtClean="0"/>
-              <a:t>8/29/2025</a:t>
+              <a:t>9/1/2025</a:t>
             </a:fld>
             <a:endParaRPr lang="en-US"/>
           </a:p>
@@ -2259,7 +2259,7 @@
           <a:p>
             <a:fld id="{D71ECB0C-865D-48AA-96AE-52EA45E4045B}" type="datetimeFigureOut">
               <a:rPr lang="en-US" smtClean="0"/>
-              <a:t>8/29/2025</a:t>
+              <a:t>9/1/2025</a:t>
             </a:fld>
             <a:endParaRPr lang="en-US"/>
           </a:p>
@@ -2400,7 +2400,7 @@
           <a:p>
             <a:fld id="{D71ECB0C-865D-48AA-96AE-52EA45E4045B}" type="datetimeFigureOut">
               <a:rPr lang="en-US" smtClean="0"/>
-              <a:t>8/29/2025</a:t>
+              <a:t>9/1/2025</a:t>
             </a:fld>
             <a:endParaRPr lang="en-US"/>
           </a:p>
@@ -2513,7 +2513,7 @@
           <a:p>
             <a:fld id="{D71ECB0C-865D-48AA-96AE-52EA45E4045B}" type="datetimeFigureOut">
               <a:rPr lang="en-US" smtClean="0"/>
-              <a:t>8/29/2025</a:t>
+              <a:t>9/1/2025</a:t>
             </a:fld>
             <a:endParaRPr lang="en-US"/>
           </a:p>
@@ -2824,7 +2824,7 @@
           <a:p>
             <a:fld id="{D71ECB0C-865D-48AA-96AE-52EA45E4045B}" type="datetimeFigureOut">
               <a:rPr lang="en-US" smtClean="0"/>
-              <a:t>8/29/2025</a:t>
+              <a:t>9/1/2025</a:t>
             </a:fld>
             <a:endParaRPr lang="en-US"/>
           </a:p>
@@ -3112,7 +3112,7 @@
           <a:p>
             <a:fld id="{D71ECB0C-865D-48AA-96AE-52EA45E4045B}" type="datetimeFigureOut">
               <a:rPr lang="en-US" smtClean="0"/>
-              <a:t>8/29/2025</a:t>
+              <a:t>9/1/2025</a:t>
             </a:fld>
             <a:endParaRPr lang="en-US"/>
           </a:p>
@@ -3353,7 +3353,7 @@
           <a:p>
             <a:fld id="{D71ECB0C-865D-48AA-96AE-52EA45E4045B}" type="datetimeFigureOut">
               <a:rPr lang="en-US" smtClean="0"/>
-              <a:t>8/29/2025</a:t>
+              <a:t>9/1/2025</a:t>
             </a:fld>
             <a:endParaRPr lang="en-US"/>
           </a:p>
@@ -3833,7 +3833,7 @@
         </p:nvSpPr>
         <p:spPr>
           <a:xfrm>
-            <a:off x="797740" y="3073220"/>
+            <a:off x="753290" y="3073220"/>
             <a:ext cx="4706647" cy="1172346"/>
           </a:xfrm>
         </p:spPr>
@@ -3846,7 +3846,7 @@
             <a:pPr algn="l"/>
             <a:r>
               <a:rPr lang="en-US" sz="2800" dirty="0"/>
-              <a:t>Aug 25</a:t>
+              <a:t>August 25</a:t>
             </a:r>
             <a:r>
               <a:rPr lang="en-US" sz="2800" baseline="30000" dirty="0"/>
@@ -3854,7 +3854,7 @@
             </a:r>
             <a:r>
               <a:rPr lang="en-US" sz="2800" dirty="0"/>
-              <a:t> – Aug 29</a:t>
+              <a:t> – 29</a:t>
             </a:r>
             <a:r>
               <a:rPr lang="en-US" sz="2800" baseline="30000" dirty="0"/>
@@ -3903,59 +3903,12 @@
         </p:blipFill>
         <p:spPr>
           <a:xfrm>
-            <a:off x="7563619" y="-6220"/>
+            <a:off x="7557269" y="-6220"/>
             <a:ext cx="4628382" cy="3435220"/>
           </a:xfrm>
           <a:prstGeom prst="rect">
             <a:avLst/>
           </a:prstGeom>
-        </p:spPr>
-      </p:pic>
-      <p:pic>
-        <p:nvPicPr>
-          <p:cNvPr id="1030" name="Picture 6" descr="modernising ethiopia's slums in addis ababa">
-            <a:extLst>
-              <a:ext uri="{FF2B5EF4-FFF2-40B4-BE49-F238E27FC236}">
-                <a16:creationId xmlns:a16="http://schemas.microsoft.com/office/drawing/2014/main" id="{5875442D-3EE9-FD8A-6133-1408C9698414}"/>
-              </a:ext>
-            </a:extLst>
-          </p:cNvPr>
-          <p:cNvPicPr>
-            <a:picLocks noChangeAspect="1" noChangeArrowheads="1"/>
-          </p:cNvPicPr>
-          <p:nvPr/>
-        </p:nvPicPr>
-        <p:blipFill>
-          <a:blip r:embed="rId4">
-            <a:extLst>
-              <a:ext uri="{28A0092B-C50C-407E-A947-70E740481C1C}">
-                <a14:useLocalDpi xmlns:a14="http://schemas.microsoft.com/office/drawing/2010/main" val="0"/>
-              </a:ext>
-            </a:extLst>
-          </a:blip>
-          <a:srcRect l="24413"/>
-          <a:stretch>
-            <a:fillRect/>
-          </a:stretch>
-        </p:blipFill>
-        <p:spPr bwMode="auto">
-          <a:xfrm flipH="1">
-            <a:off x="7563614" y="3429000"/>
-            <a:ext cx="4628383" cy="3429000"/>
-          </a:xfrm>
-          <a:prstGeom prst="rect">
-            <a:avLst/>
-          </a:prstGeom>
-          <a:noFill/>
-          <a:extLst>
-            <a:ext uri="{909E8E84-426E-40DD-AFC4-6F175D3DCCD1}">
-              <a14:hiddenFill xmlns:a14="http://schemas.microsoft.com/office/drawing/2010/main">
-                <a:solidFill>
-                  <a:srgbClr val="FFFFFF"/>
-                </a:solidFill>
-              </a14:hiddenFill>
-            </a:ext>
-          </a:extLst>
         </p:spPr>
       </p:pic>
       <p:grpSp>
@@ -4148,7 +4101,7 @@
           <p:nvPr/>
         </p:nvPicPr>
         <p:blipFill>
-          <a:blip r:embed="rId5">
+          <a:blip r:embed="rId4">
             <a:extLst>
               <a:ext uri="{28A0092B-C50C-407E-A947-70E740481C1C}">
                 <a14:useLocalDpi xmlns:a14="http://schemas.microsoft.com/office/drawing/2010/main" val="0"/>
@@ -4194,7 +4147,7 @@
           <p:nvPr/>
         </p:nvPicPr>
         <p:blipFill>
-          <a:blip r:embed="rId6">
+          <a:blip r:embed="rId5">
             <a:extLst>
               <a:ext uri="{28A0092B-C50C-407E-A947-70E740481C1C}">
                 <a14:useLocalDpi xmlns:a14="http://schemas.microsoft.com/office/drawing/2010/main" val="0"/>
@@ -4240,7 +4193,7 @@
           <p:nvPr/>
         </p:nvPicPr>
         <p:blipFill>
-          <a:blip r:embed="rId7">
+          <a:blip r:embed="rId6">
             <a:extLst>
               <a:ext uri="{28A0092B-C50C-407E-A947-70E740481C1C}">
                 <a14:useLocalDpi xmlns:a14="http://schemas.microsoft.com/office/drawing/2010/main" val="0"/>
@@ -4253,8 +4206,38 @@
         </p:blipFill>
         <p:spPr>
           <a:xfrm>
-            <a:off x="2056492" y="5365985"/>
+            <a:off x="2145392" y="5365985"/>
             <a:ext cx="3146417" cy="629283"/>
+          </a:xfrm>
+          <a:prstGeom prst="rect">
+            <a:avLst/>
+          </a:prstGeom>
+        </p:spPr>
+      </p:pic>
+      <p:pic>
+        <p:nvPicPr>
+          <p:cNvPr id="7" name="Picture 6">
+            <a:extLst>
+              <a:ext uri="{FF2B5EF4-FFF2-40B4-BE49-F238E27FC236}">
+                <a16:creationId xmlns:a16="http://schemas.microsoft.com/office/drawing/2014/main" id="{318BDBEA-C0DC-33BD-26BD-82A4FE27EE7A}"/>
+              </a:ext>
+            </a:extLst>
+          </p:cNvPr>
+          <p:cNvPicPr>
+            <a:picLocks noChangeAspect="1"/>
+          </p:cNvPicPr>
+          <p:nvPr/>
+        </p:nvPicPr>
+        <p:blipFill>
+          <a:blip r:embed="rId7"/>
+          <a:stretch>
+            <a:fillRect/>
+          </a:stretch>
+        </p:blipFill>
+        <p:spPr>
+          <a:xfrm>
+            <a:off x="7569969" y="3251286"/>
+            <a:ext cx="4615681" cy="3606714"/>
           </a:xfrm>
           <a:prstGeom prst="rect">
             <a:avLst/>
